--- a/160419 로그분석 - 3.pptx
+++ b/160419 로그분석 - 3.pptx
@@ -115,6 +115,11 @@
       </a:defRPr>
     </a:lvl9pPr>
   </p:defaultTextStyle>
+  <p:extLst>
+    <p:ext uri="{EFAFB233-063F-42B5-8137-9DF3F51BA10A}">
+      <p15:sldGuideLst xmlns:p15="http://schemas.microsoft.com/office/powerpoint/2012/main"/>
+    </p:ext>
+  </p:extLst>
 </p:presentation>
 </file>
 
@@ -266,7 +271,7 @@
           <a:p>
             <a:fld id="{2567CB07-3468-4DC7-9224-A434D7EF40E4}" type="datetimeFigureOut">
               <a:rPr lang="ko-KR" altLang="en-US" smtClean="0"/>
-              <a:t>2016-04-11</a:t>
+              <a:t>2016-04-14</a:t>
             </a:fld>
             <a:endParaRPr lang="ko-KR" altLang="en-US"/>
           </a:p>
@@ -3315,6 +3320,158 @@
           <a:bodyPr/>
           <a:lstStyle/>
           <a:p>
+            <a:r>
+              <a:rPr lang="ko-KR" altLang="en-US" dirty="0" smtClean="0"/>
+              <a:t>각 강의에 클러스터링 적용</a:t>
+            </a:r>
+            <a:endParaRPr lang="en-US" altLang="ko-KR" dirty="0" smtClean="0"/>
+          </a:p>
+          <a:p>
+            <a:pPr lvl="1"/>
+            <a:r>
+              <a:rPr lang="ko-KR" altLang="en-US" dirty="0" smtClean="0"/>
+              <a:t>난이도 </a:t>
+            </a:r>
+            <a:r>
+              <a:rPr lang="en-US" altLang="ko-KR" dirty="0" smtClean="0">
+                <a:sym typeface="Wingdings" panose="05000000000000000000" pitchFamily="2" charset="2"/>
+              </a:rPr>
+              <a:t> </a:t>
+            </a:r>
+            <a:r>
+              <a:rPr lang="ko-KR" altLang="en-US" dirty="0" smtClean="0">
+                <a:sym typeface="Wingdings" panose="05000000000000000000" pitchFamily="2" charset="2"/>
+              </a:rPr>
+              <a:t>클러스터 센터 위치 차이</a:t>
+            </a:r>
+            <a:r>
+              <a:rPr lang="en-US" altLang="ko-KR" dirty="0" smtClean="0">
+                <a:sym typeface="Wingdings" panose="05000000000000000000" pitchFamily="2" charset="2"/>
+              </a:rPr>
+              <a:t>?</a:t>
+            </a:r>
+            <a:endParaRPr lang="en-US" altLang="ko-KR" dirty="0" smtClean="0"/>
+          </a:p>
+          <a:p>
+            <a:endParaRPr lang="en-US" altLang="ko-KR" dirty="0" smtClean="0"/>
+          </a:p>
+          <a:p>
+            <a:r>
+              <a:rPr lang="ko-KR" altLang="en-US" dirty="0" smtClean="0"/>
+              <a:t>한 </a:t>
+            </a:r>
+            <a:r>
+              <a:rPr lang="en-US" altLang="ko-KR" dirty="0" smtClean="0"/>
+              <a:t>user</a:t>
+            </a:r>
+            <a:r>
+              <a:rPr lang="ko-KR" altLang="en-US" dirty="0" smtClean="0"/>
+              <a:t>의 성취도 </a:t>
+            </a:r>
+            <a:r>
+              <a:rPr lang="ko-KR" altLang="en-US" dirty="0" smtClean="0"/>
+              <a:t>변경 추세</a:t>
+            </a:r>
+            <a:endParaRPr lang="en-US" altLang="ko-KR" dirty="0" smtClean="0"/>
+          </a:p>
+          <a:p>
+            <a:endParaRPr lang="en-US" altLang="ko-KR" dirty="0" smtClean="0"/>
+          </a:p>
+          <a:p>
+            <a:r>
+              <a:rPr lang="ko-KR" altLang="en-US" dirty="0" smtClean="0"/>
+              <a:t>사용자의 시간</a:t>
+            </a:r>
+            <a:r>
+              <a:rPr lang="en-US" altLang="ko-KR" dirty="0" smtClean="0"/>
+              <a:t>+</a:t>
+            </a:r>
+            <a:r>
+              <a:rPr lang="ko-KR" altLang="en-US" dirty="0" smtClean="0"/>
+              <a:t>이벤트 분포 </a:t>
+            </a:r>
+            <a:r>
+              <a:rPr lang="ko-KR" altLang="en-US" dirty="0" err="1" smtClean="0"/>
+              <a:t>종합판</a:t>
+            </a:r>
+            <a:endParaRPr lang="en-US" altLang="ko-KR" dirty="0" smtClean="0"/>
+          </a:p>
+          <a:p>
+            <a:pPr lvl="1"/>
+            <a:r>
+              <a:rPr lang="ko-KR" altLang="en-US" dirty="0" smtClean="0"/>
+              <a:t>한 강의에서 </a:t>
+            </a:r>
+            <a:r>
+              <a:rPr lang="en-US" altLang="ko-KR" dirty="0" smtClean="0"/>
+              <a:t>(</a:t>
+            </a:r>
+            <a:r>
+              <a:rPr lang="ko-KR" altLang="en-US" dirty="0" smtClean="0"/>
+              <a:t>시간 분</a:t>
+            </a:r>
+            <a:r>
+              <a:rPr lang="ko-KR" altLang="en-US" dirty="0" smtClean="0"/>
+              <a:t>포</a:t>
+            </a:r>
+            <a:r>
+              <a:rPr lang="en-US" altLang="ko-KR" dirty="0" smtClean="0"/>
+              <a:t>, </a:t>
+            </a:r>
+            <a:r>
+              <a:rPr lang="ko-KR" altLang="en-US" dirty="0" smtClean="0"/>
+              <a:t>이벤트 분포 </a:t>
+            </a:r>
+            <a:r>
+              <a:rPr lang="en-US" altLang="ko-KR" dirty="0" smtClean="0"/>
+              <a:t>,</a:t>
+            </a:r>
+            <a:r>
+              <a:rPr lang="ko-KR" altLang="en-US" dirty="0" smtClean="0"/>
+              <a:t>모범</a:t>
+            </a:r>
+            <a:r>
+              <a:rPr lang="en-US" altLang="ko-KR" dirty="0" smtClean="0"/>
+              <a:t>)</a:t>
+            </a:r>
+          </a:p>
+          <a:p>
+            <a:pPr lvl="1"/>
+            <a:r>
+              <a:rPr lang="ko-KR" altLang="en-US" dirty="0" smtClean="0"/>
+              <a:t>전체적으로 봤을 때 </a:t>
+            </a:r>
+            <a:r>
+              <a:rPr lang="en-US" altLang="ko-KR" dirty="0"/>
+              <a:t>(</a:t>
+            </a:r>
+            <a:r>
+              <a:rPr lang="ko-KR" altLang="en-US" dirty="0"/>
+              <a:t>시간 분포</a:t>
+            </a:r>
+            <a:r>
+              <a:rPr lang="en-US" altLang="ko-KR" dirty="0"/>
+              <a:t>, </a:t>
+            </a:r>
+            <a:r>
+              <a:rPr lang="ko-KR" altLang="en-US" dirty="0"/>
+              <a:t>이벤트 분포 </a:t>
+            </a:r>
+            <a:r>
+              <a:rPr lang="en-US" altLang="ko-KR" dirty="0" smtClean="0"/>
+              <a:t>, </a:t>
+            </a:r>
+            <a:r>
+              <a:rPr lang="ko-KR" altLang="en-US" dirty="0"/>
+              <a:t>모범</a:t>
+            </a:r>
+            <a:r>
+              <a:rPr lang="en-US" altLang="ko-KR" dirty="0"/>
+              <a:t>)</a:t>
+            </a:r>
+          </a:p>
+          <a:p>
+            <a:pPr lvl="1"/>
             <a:endParaRPr lang="ko-KR" altLang="en-US" dirty="0"/>
           </a:p>
         </p:txBody>
